--- a/doc/주식자동매매설계서v1.0.pptx
+++ b/doc/주식자동매매설계서v1.0.pptx
@@ -296,7 +296,7 @@
           <a:p>
             <a:fld id="{FB30EDBD-1C2D-4C1E-B459-B60219FAB484}" type="datetimeFigureOut">
               <a:rPr lang="ko-KR" altLang="en-US" smtClean="0"/>
-              <a:t>2020-12-13</a:t>
+              <a:t>2020-12-19</a:t>
             </a:fld>
             <a:endParaRPr lang="ko-KR" altLang="en-US"/>
           </a:p>
@@ -461,7 +461,7 @@
           <a:p>
             <a:fld id="{FB30EDBD-1C2D-4C1E-B459-B60219FAB484}" type="datetimeFigureOut">
               <a:rPr lang="ko-KR" altLang="en-US" smtClean="0"/>
-              <a:t>2020-12-13</a:t>
+              <a:t>2020-12-19</a:t>
             </a:fld>
             <a:endParaRPr lang="ko-KR" altLang="en-US"/>
           </a:p>
@@ -636,7 +636,7 @@
           <a:p>
             <a:fld id="{FB30EDBD-1C2D-4C1E-B459-B60219FAB484}" type="datetimeFigureOut">
               <a:rPr lang="ko-KR" altLang="en-US" smtClean="0"/>
-              <a:t>2020-12-13</a:t>
+              <a:t>2020-12-19</a:t>
             </a:fld>
             <a:endParaRPr lang="ko-KR" altLang="en-US"/>
           </a:p>
@@ -801,7 +801,7 @@
           <a:p>
             <a:fld id="{FB30EDBD-1C2D-4C1E-B459-B60219FAB484}" type="datetimeFigureOut">
               <a:rPr lang="ko-KR" altLang="en-US" smtClean="0"/>
-              <a:t>2020-12-13</a:t>
+              <a:t>2020-12-19</a:t>
             </a:fld>
             <a:endParaRPr lang="ko-KR" altLang="en-US"/>
           </a:p>
@@ -1042,7 +1042,7 @@
           <a:p>
             <a:fld id="{FB30EDBD-1C2D-4C1E-B459-B60219FAB484}" type="datetimeFigureOut">
               <a:rPr lang="ko-KR" altLang="en-US" smtClean="0"/>
-              <a:t>2020-12-13</a:t>
+              <a:t>2020-12-19</a:t>
             </a:fld>
             <a:endParaRPr lang="ko-KR" altLang="en-US"/>
           </a:p>
@@ -1325,7 +1325,7 @@
           <a:p>
             <a:fld id="{FB30EDBD-1C2D-4C1E-B459-B60219FAB484}" type="datetimeFigureOut">
               <a:rPr lang="ko-KR" altLang="en-US" smtClean="0"/>
-              <a:t>2020-12-13</a:t>
+              <a:t>2020-12-19</a:t>
             </a:fld>
             <a:endParaRPr lang="ko-KR" altLang="en-US"/>
           </a:p>
@@ -1742,7 +1742,7 @@
           <a:p>
             <a:fld id="{FB30EDBD-1C2D-4C1E-B459-B60219FAB484}" type="datetimeFigureOut">
               <a:rPr lang="ko-KR" altLang="en-US" smtClean="0"/>
-              <a:t>2020-12-13</a:t>
+              <a:t>2020-12-19</a:t>
             </a:fld>
             <a:endParaRPr lang="ko-KR" altLang="en-US"/>
           </a:p>
@@ -1855,7 +1855,7 @@
           <a:p>
             <a:fld id="{FB30EDBD-1C2D-4C1E-B459-B60219FAB484}" type="datetimeFigureOut">
               <a:rPr lang="ko-KR" altLang="en-US" smtClean="0"/>
-              <a:t>2020-12-13</a:t>
+              <a:t>2020-12-19</a:t>
             </a:fld>
             <a:endParaRPr lang="ko-KR" altLang="en-US"/>
           </a:p>
@@ -1945,7 +1945,7 @@
           <a:p>
             <a:fld id="{FB30EDBD-1C2D-4C1E-B459-B60219FAB484}" type="datetimeFigureOut">
               <a:rPr lang="ko-KR" altLang="en-US" smtClean="0"/>
-              <a:t>2020-12-13</a:t>
+              <a:t>2020-12-19</a:t>
             </a:fld>
             <a:endParaRPr lang="ko-KR" altLang="en-US"/>
           </a:p>
@@ -2217,7 +2217,7 @@
           <a:p>
             <a:fld id="{FB30EDBD-1C2D-4C1E-B459-B60219FAB484}" type="datetimeFigureOut">
               <a:rPr lang="ko-KR" altLang="en-US" smtClean="0"/>
-              <a:t>2020-12-13</a:t>
+              <a:t>2020-12-19</a:t>
             </a:fld>
             <a:endParaRPr lang="ko-KR" altLang="en-US"/>
           </a:p>
@@ -2465,7 +2465,7 @@
           <a:p>
             <a:fld id="{FB30EDBD-1C2D-4C1E-B459-B60219FAB484}" type="datetimeFigureOut">
               <a:rPr lang="ko-KR" altLang="en-US" smtClean="0"/>
-              <a:t>2020-12-13</a:t>
+              <a:t>2020-12-19</a:t>
             </a:fld>
             <a:endParaRPr lang="ko-KR" altLang="en-US"/>
           </a:p>
@@ -2673,7 +2673,7 @@
           <a:p>
             <a:fld id="{FB30EDBD-1C2D-4C1E-B459-B60219FAB484}" type="datetimeFigureOut">
               <a:rPr lang="ko-KR" altLang="en-US" smtClean="0"/>
-              <a:t>2020-12-13</a:t>
+              <a:t>2020-12-19</a:t>
             </a:fld>
             <a:endParaRPr lang="ko-KR" altLang="en-US"/>
           </a:p>
@@ -3774,6 +3774,86 @@
         <p:spPr>
           <a:xfrm>
             <a:off x="4115207" y="3356992"/>
+            <a:ext cx="4495" cy="504056"/>
+          </a:xfrm>
+          <a:prstGeom prst="straightConnector1">
+            <a:avLst/>
+          </a:prstGeom>
+          <a:ln>
+            <a:tailEnd type="arrow"/>
+          </a:ln>
+        </p:spPr>
+        <p:style>
+          <a:lnRef idx="1">
+            <a:schemeClr val="accent1"/>
+          </a:lnRef>
+          <a:fillRef idx="0">
+            <a:schemeClr val="accent1"/>
+          </a:fillRef>
+          <a:effectRef idx="0">
+            <a:schemeClr val="accent1"/>
+          </a:effectRef>
+          <a:fontRef idx="minor">
+            <a:schemeClr val="tx1"/>
+          </a:fontRef>
+        </p:style>
+      </p:cxnSp>
+      <p:sp>
+        <p:nvSpPr>
+          <p:cNvPr id="3" name="직사각형 2"/>
+          <p:cNvSpPr/>
+          <p:nvPr/>
+        </p:nvSpPr>
+        <p:spPr>
+          <a:xfrm>
+            <a:off x="2664922" y="5085184"/>
+            <a:ext cx="2900570" cy="792088"/>
+          </a:xfrm>
+          <a:prstGeom prst="rect">
+            <a:avLst/>
+          </a:prstGeom>
+        </p:spPr>
+        <p:style>
+          <a:lnRef idx="2">
+            <a:schemeClr val="accent1">
+              <a:shade val="50000"/>
+            </a:schemeClr>
+          </a:lnRef>
+          <a:fillRef idx="1">
+            <a:schemeClr val="accent1"/>
+          </a:fillRef>
+          <a:effectRef idx="0">
+            <a:schemeClr val="accent1"/>
+          </a:effectRef>
+          <a:fontRef idx="minor">
+            <a:schemeClr val="lt1"/>
+          </a:fontRef>
+        </p:style>
+        <p:txBody>
+          <a:bodyPr rtlCol="0" anchor="ctr"/>
+          <a:lstStyle/>
+          <a:p>
+            <a:pPr algn="ctr"/>
+            <a:r>
+              <a:rPr lang="ko-KR" altLang="en-US" dirty="0" smtClean="0"/>
+              <a:t>장 시작 시 거래</a:t>
+            </a:r>
+            <a:endParaRPr lang="ko-KR" altLang="en-US" dirty="0"/>
+          </a:p>
+        </p:txBody>
+      </p:sp>
+      <p:cxnSp>
+        <p:nvCxnSpPr>
+          <p:cNvPr id="8" name="직선 화살표 연결선 7"/>
+          <p:cNvCxnSpPr>
+            <a:stCxn id="5" idx="2"/>
+            <a:endCxn id="3" idx="0"/>
+          </p:cNvCxnSpPr>
+          <p:nvPr/>
+        </p:nvCxnSpPr>
+        <p:spPr>
+          <a:xfrm flipH="1">
+            <a:off x="4115207" y="4581128"/>
             <a:ext cx="4495" cy="504056"/>
           </a:xfrm>
           <a:prstGeom prst="straightConnector1">
